--- a/Intro to Git.pptx
+++ b/Intro to Git.pptx
@@ -140,6 +140,11 @@
       </a:defRPr>
     </a:lvl9pPr>
   </p:defaultTextStyle>
+  <p:extLst>
+    <p:ext uri="{EFAFB233-063F-42B5-8137-9DF3F51BA10A}">
+      <p15:sldGuideLst xmlns:p15="http://schemas.microsoft.com/office/powerpoint/2012/main"/>
+    </p:ext>
+  </p:extLst>
 </p:presentation>
 </file>
 
@@ -322,7 +327,7 @@
           <a:p>
             <a:fld id="{12089AF0-4647-499E-A29D-3B9FC99C1816}" type="datetimeFigureOut">
               <a:rPr lang="en-US" smtClean="0"/>
-              <a:t>8/31/2018</a:t>
+              <a:t>5/26/2019</a:t>
             </a:fld>
             <a:endParaRPr lang="en-US"/>
           </a:p>
@@ -490,7 +495,7 @@
           <a:p>
             <a:fld id="{12089AF0-4647-499E-A29D-3B9FC99C1816}" type="datetimeFigureOut">
               <a:rPr lang="en-US" smtClean="0"/>
-              <a:t>8/31/2018</a:t>
+              <a:t>5/26/2019</a:t>
             </a:fld>
             <a:endParaRPr lang="en-US"/>
           </a:p>
@@ -668,7 +673,7 @@
           <a:p>
             <a:fld id="{12089AF0-4647-499E-A29D-3B9FC99C1816}" type="datetimeFigureOut">
               <a:rPr lang="en-US" smtClean="0"/>
-              <a:t>8/31/2018</a:t>
+              <a:t>5/26/2019</a:t>
             </a:fld>
             <a:endParaRPr lang="en-US"/>
           </a:p>
@@ -836,7 +841,7 @@
           <a:p>
             <a:fld id="{12089AF0-4647-499E-A29D-3B9FC99C1816}" type="datetimeFigureOut">
               <a:rPr lang="en-US" smtClean="0"/>
-              <a:t>8/31/2018</a:t>
+              <a:t>5/26/2019</a:t>
             </a:fld>
             <a:endParaRPr lang="en-US"/>
           </a:p>
@@ -1081,7 +1086,7 @@
           <a:p>
             <a:fld id="{12089AF0-4647-499E-A29D-3B9FC99C1816}" type="datetimeFigureOut">
               <a:rPr lang="en-US" smtClean="0"/>
-              <a:t>8/31/2018</a:t>
+              <a:t>5/26/2019</a:t>
             </a:fld>
             <a:endParaRPr lang="en-US"/>
           </a:p>
@@ -1366,7 +1371,7 @@
           <a:p>
             <a:fld id="{12089AF0-4647-499E-A29D-3B9FC99C1816}" type="datetimeFigureOut">
               <a:rPr lang="en-US" smtClean="0"/>
-              <a:t>8/31/2018</a:t>
+              <a:t>5/26/2019</a:t>
             </a:fld>
             <a:endParaRPr lang="en-US"/>
           </a:p>
@@ -1785,7 +1790,7 @@
           <a:p>
             <a:fld id="{12089AF0-4647-499E-A29D-3B9FC99C1816}" type="datetimeFigureOut">
               <a:rPr lang="en-US" smtClean="0"/>
-              <a:t>8/31/2018</a:t>
+              <a:t>5/26/2019</a:t>
             </a:fld>
             <a:endParaRPr lang="en-US"/>
           </a:p>
@@ -1902,7 +1907,7 @@
           <a:p>
             <a:fld id="{12089AF0-4647-499E-A29D-3B9FC99C1816}" type="datetimeFigureOut">
               <a:rPr lang="en-US" smtClean="0"/>
-              <a:t>8/31/2018</a:t>
+              <a:t>5/26/2019</a:t>
             </a:fld>
             <a:endParaRPr lang="en-US"/>
           </a:p>
@@ -1997,7 +2002,7 @@
           <a:p>
             <a:fld id="{12089AF0-4647-499E-A29D-3B9FC99C1816}" type="datetimeFigureOut">
               <a:rPr lang="en-US" smtClean="0"/>
-              <a:t>8/31/2018</a:t>
+              <a:t>5/26/2019</a:t>
             </a:fld>
             <a:endParaRPr lang="en-US"/>
           </a:p>
@@ -2272,7 +2277,7 @@
           <a:p>
             <a:fld id="{12089AF0-4647-499E-A29D-3B9FC99C1816}" type="datetimeFigureOut">
               <a:rPr lang="en-US" smtClean="0"/>
-              <a:t>8/31/2018</a:t>
+              <a:t>5/26/2019</a:t>
             </a:fld>
             <a:endParaRPr lang="en-US"/>
           </a:p>
@@ -2527,7 +2532,7 @@
           <a:p>
             <a:fld id="{12089AF0-4647-499E-A29D-3B9FC99C1816}" type="datetimeFigureOut">
               <a:rPr lang="en-US" smtClean="0"/>
-              <a:t>8/31/2018</a:t>
+              <a:t>5/26/2019</a:t>
             </a:fld>
             <a:endParaRPr lang="en-US"/>
           </a:p>
@@ -2741,7 +2746,7 @@
           <a:p>
             <a:fld id="{12089AF0-4647-499E-A29D-3B9FC99C1816}" type="datetimeFigureOut">
               <a:rPr lang="en-US" smtClean="0"/>
-              <a:t>8/31/2018</a:t>
+              <a:t>5/26/2019</a:t>
             </a:fld>
             <a:endParaRPr lang="en-US"/>
           </a:p>
@@ -4619,7 +4624,7 @@
           <a:p>
             <a:r>
               <a:rPr lang="en-US" dirty="0"/>
-              <a:t>Version control (VC)</a:t>
+              <a:t>Version control (VC) / Configuration Management (CM)</a:t>
             </a:r>
           </a:p>
           <a:p>
@@ -5155,6 +5160,26 @@
                 </a:solidFill>
                 <a:latin typeface="Courier Std" panose="02070409020205020404" pitchFamily="49" charset="0"/>
               </a:rPr>
+              <a:t>camera.framerate</a:t>
+            </a:r>
+            <a:r>
+              <a:rPr lang="en-US" sz="1200" dirty="0">
+                <a:solidFill>
+                  <a:schemeClr val="bg1"/>
+                </a:solidFill>
+                <a:latin typeface="Courier Std" panose="02070409020205020404" pitchFamily="49" charset="0"/>
+              </a:rPr>
+              <a:t> = 32</a:t>
+            </a:r>
+          </a:p>
+          <a:p>
+            <a:r>
+              <a:rPr lang="en-US" sz="1200" dirty="0" err="1">
+                <a:solidFill>
+                  <a:schemeClr val="bg1"/>
+                </a:solidFill>
+                <a:latin typeface="Courier Std" panose="02070409020205020404" pitchFamily="49" charset="0"/>
+              </a:rPr>
               <a:t>rawCapture</a:t>
             </a:r>
             <a:r>
@@ -5334,30 +5359,6 @@
                 <a:latin typeface="Courier Std" panose="02070409020205020404" pitchFamily="49" charset="0"/>
               </a:rPr>
               <a:t>print(“Sampling frames...")</a:t>
-            </a:r>
-          </a:p>
-          <a:p>
-            <a:r>
-              <a:rPr lang="en-US" sz="1200" b="1" dirty="0" err="1">
-                <a:solidFill>
-                  <a:schemeClr val="accent3">
-                    <a:lumMod val="75000"/>
-                  </a:schemeClr>
-                </a:solidFill>
-                <a:latin typeface="Courier Std" panose="02070409020205020404" pitchFamily="49" charset="0"/>
-              </a:rPr>
-              <a:t>time.sleep</a:t>
-            </a:r>
-            <a:r>
-              <a:rPr lang="en-US" sz="1200" b="1" dirty="0">
-                <a:solidFill>
-                  <a:schemeClr val="accent3">
-                    <a:lumMod val="75000"/>
-                  </a:schemeClr>
-                </a:solidFill>
-                <a:latin typeface="Courier Std" panose="02070409020205020404" pitchFamily="49" charset="0"/>
-              </a:rPr>
-              <a:t>(2.0)</a:t>
             </a:r>
           </a:p>
           <a:p>
@@ -6085,7 +6086,7 @@
         <p:spPr>
           <a:xfrm>
             <a:off x="4476206" y="4114019"/>
-            <a:ext cx="4210594" cy="2677656"/>
+            <a:ext cx="4210594" cy="2492990"/>
           </a:xfrm>
           <a:prstGeom prst="rect">
             <a:avLst/>
@@ -6373,30 +6374,6 @@
                 <a:latin typeface="Courier Std" panose="02070409020205020404" pitchFamily="49" charset="0"/>
               </a:rPr>
               <a:t>print(“Sampling frames...")</a:t>
-            </a:r>
-          </a:p>
-          <a:p>
-            <a:r>
-              <a:rPr lang="en-US" sz="1200" b="1" dirty="0" err="1">
-                <a:solidFill>
-                  <a:schemeClr val="accent3">
-                    <a:lumMod val="75000"/>
-                  </a:schemeClr>
-                </a:solidFill>
-                <a:latin typeface="Courier Std" panose="02070409020205020404" pitchFamily="49" charset="0"/>
-              </a:rPr>
-              <a:t>time.sleep</a:t>
-            </a:r>
-            <a:r>
-              <a:rPr lang="en-US" sz="1200" b="1" dirty="0">
-                <a:solidFill>
-                  <a:schemeClr val="accent3">
-                    <a:lumMod val="75000"/>
-                  </a:schemeClr>
-                </a:solidFill>
-                <a:latin typeface="Courier Std" panose="02070409020205020404" pitchFamily="49" charset="0"/>
-              </a:rPr>
-              <a:t>(2.0)</a:t>
             </a:r>
           </a:p>
           <a:p>
@@ -6886,7 +6863,7 @@
           <a:p>
             <a:r>
               <a:rPr lang="en-US" dirty="0"/>
-              <a:t>How do we collaborate with other people</a:t>
+              <a:t>How do we collaborate with other people?</a:t>
             </a:r>
           </a:p>
         </p:txBody>
@@ -7314,7 +7291,15 @@
           <a:p>
             <a:r>
               <a:rPr lang="en-US" dirty="0"/>
-              <a:t>The fetch command retrieves information about a branch (or all branches) from a remote</a:t>
+              <a:t>The </a:t>
+            </a:r>
+            <a:r>
+              <a:rPr lang="en-US" i="1" dirty="0"/>
+              <a:t>fetch</a:t>
+            </a:r>
+            <a:r>
+              <a:rPr lang="en-US" dirty="0"/>
+              <a:t> command retrieves information about a branch (or all branches) from a remote</a:t>
             </a:r>
           </a:p>
           <a:p>
@@ -9552,15 +9537,15 @@
       </p:sp>
       <p:pic>
         <p:nvPicPr>
-          <p:cNvPr id="3074" name="Picture 2" descr="Commits and their parents.">
+          <p:cNvPr id="5" name="Picture 4">
             <a:extLst>
               <a:ext uri="{FF2B5EF4-FFF2-40B4-BE49-F238E27FC236}">
-                <a16:creationId xmlns:a16="http://schemas.microsoft.com/office/drawing/2014/main" id="{D22B31A0-5BCD-4DFD-B73F-7B9EFB53AAAF}"/>
+                <a16:creationId xmlns:a16="http://schemas.microsoft.com/office/drawing/2014/main" id="{5D68AD6E-9548-4020-AD43-F71BB42170E0}"/>
               </a:ext>
             </a:extLst>
           </p:cNvPr>
           <p:cNvPicPr>
-            <a:picLocks noChangeAspect="1" noChangeArrowheads="1"/>
+            <a:picLocks noChangeAspect="1"/>
           </p:cNvPicPr>
           <p:nvPr/>
         </p:nvPicPr>
@@ -9572,29 +9557,18 @@
               </a:ext>
             </a:extLst>
           </a:blip>
-          <a:srcRect/>
           <a:stretch>
             <a:fillRect/>
           </a:stretch>
         </p:blipFill>
-        <p:spPr bwMode="auto">
+        <p:spPr>
           <a:xfrm>
-            <a:off x="762000" y="2837498"/>
-            <a:ext cx="7620000" cy="2524125"/>
+            <a:off x="668969" y="2792627"/>
+            <a:ext cx="8181880" cy="2710249"/>
           </a:xfrm>
           <a:prstGeom prst="rect">
             <a:avLst/>
           </a:prstGeom>
-          <a:noFill/>
-          <a:extLst>
-            <a:ext uri="{909E8E84-426E-40DD-AFC4-6F175D3DCCD1}">
-              <a14:hiddenFill xmlns:a14="http://schemas.microsoft.com/office/drawing/2010/main">
-                <a:solidFill>
-                  <a:srgbClr val="FFFFFF"/>
-                </a:solidFill>
-              </a14:hiddenFill>
-            </a:ext>
-          </a:extLst>
         </p:spPr>
       </p:pic>
     </p:spTree>
@@ -9818,7 +9792,7 @@
             <a:pPr lvl="1"/>
             <a:r>
               <a:rPr lang="en-US" dirty="0"/>
-              <a:t>This identified which commit is currently checked out</a:t>
+              <a:t>This identifies which commit is currently checked out</a:t>
             </a:r>
           </a:p>
         </p:txBody>
